--- a/深入理解计算机系统.pptx
+++ b/深入理解计算机系统.pptx
@@ -285,7 +285,7 @@
           <a:p>
             <a:fld id="{530820CF-B880-4189-942D-D702A7CBA730}" type="datetimeFigureOut">
               <a:rPr lang="zh-CN" altLang="en-US" smtClean="0"/>
-              <a:t>2016/12/21</a:t>
+              <a:t>2016/12/22</a:t>
             </a:fld>
             <a:endParaRPr lang="zh-CN" altLang="en-US"/>
           </a:p>
@@ -450,7 +450,7 @@
           <a:p>
             <a:fld id="{530820CF-B880-4189-942D-D702A7CBA730}" type="datetimeFigureOut">
               <a:rPr lang="zh-CN" altLang="en-US" smtClean="0"/>
-              <a:t>2016/12/21</a:t>
+              <a:t>2016/12/22</a:t>
             </a:fld>
             <a:endParaRPr lang="zh-CN" altLang="en-US"/>
           </a:p>
@@ -625,7 +625,7 @@
           <a:p>
             <a:fld id="{530820CF-B880-4189-942D-D702A7CBA730}" type="datetimeFigureOut">
               <a:rPr lang="zh-CN" altLang="en-US" smtClean="0"/>
-              <a:t>2016/12/21</a:t>
+              <a:t>2016/12/22</a:t>
             </a:fld>
             <a:endParaRPr lang="zh-CN" altLang="en-US"/>
           </a:p>
@@ -790,7 +790,7 @@
           <a:p>
             <a:fld id="{530820CF-B880-4189-942D-D702A7CBA730}" type="datetimeFigureOut">
               <a:rPr lang="zh-CN" altLang="en-US" smtClean="0"/>
-              <a:t>2016/12/21</a:t>
+              <a:t>2016/12/22</a:t>
             </a:fld>
             <a:endParaRPr lang="zh-CN" altLang="en-US"/>
           </a:p>
@@ -1032,7 +1032,7 @@
           <a:p>
             <a:fld id="{530820CF-B880-4189-942D-D702A7CBA730}" type="datetimeFigureOut">
               <a:rPr lang="zh-CN" altLang="en-US" smtClean="0"/>
-              <a:t>2016/12/21</a:t>
+              <a:t>2016/12/22</a:t>
             </a:fld>
             <a:endParaRPr lang="zh-CN" altLang="en-US"/>
           </a:p>
@@ -1296,7 +1296,7 @@
           <a:p>
             <a:fld id="{530820CF-B880-4189-942D-D702A7CBA730}" type="datetimeFigureOut">
               <a:rPr lang="zh-CN" altLang="en-US" smtClean="0"/>
-              <a:t>2016/12/21</a:t>
+              <a:t>2016/12/22</a:t>
             </a:fld>
             <a:endParaRPr lang="zh-CN" altLang="en-US"/>
           </a:p>
@@ -1674,7 +1674,7 @@
           <a:p>
             <a:fld id="{530820CF-B880-4189-942D-D702A7CBA730}" type="datetimeFigureOut">
               <a:rPr lang="zh-CN" altLang="en-US" smtClean="0"/>
-              <a:t>2016/12/21</a:t>
+              <a:t>2016/12/22</a:t>
             </a:fld>
             <a:endParaRPr lang="zh-CN" altLang="en-US"/>
           </a:p>
@@ -1824,7 +1824,7 @@
           <a:p>
             <a:fld id="{530820CF-B880-4189-942D-D702A7CBA730}" type="datetimeFigureOut">
               <a:rPr lang="zh-CN" altLang="en-US" smtClean="0"/>
-              <a:t>2016/12/21</a:t>
+              <a:t>2016/12/22</a:t>
             </a:fld>
             <a:endParaRPr lang="zh-CN" altLang="en-US"/>
           </a:p>
@@ -1914,7 +1914,7 @@
           <a:p>
             <a:fld id="{530820CF-B880-4189-942D-D702A7CBA730}" type="datetimeFigureOut">
               <a:rPr lang="zh-CN" altLang="en-US" smtClean="0"/>
-              <a:t>2016/12/21</a:t>
+              <a:t>2016/12/22</a:t>
             </a:fld>
             <a:endParaRPr lang="zh-CN" altLang="en-US"/>
           </a:p>
@@ -2175,7 +2175,7 @@
           <a:p>
             <a:fld id="{530820CF-B880-4189-942D-D702A7CBA730}" type="datetimeFigureOut">
               <a:rPr lang="zh-CN" altLang="en-US" smtClean="0"/>
-              <a:t>2016/12/21</a:t>
+              <a:t>2016/12/22</a:t>
             </a:fld>
             <a:endParaRPr lang="zh-CN" altLang="en-US"/>
           </a:p>
@@ -2463,7 +2463,7 @@
           <a:p>
             <a:fld id="{530820CF-B880-4189-942D-D702A7CBA730}" type="datetimeFigureOut">
               <a:rPr lang="zh-CN" altLang="en-US" smtClean="0"/>
-              <a:t>2016/12/21</a:t>
+              <a:t>2016/12/22</a:t>
             </a:fld>
             <a:endParaRPr lang="zh-CN" altLang="en-US"/>
           </a:p>
@@ -3234,7 +3234,7 @@
           <a:p>
             <a:fld id="{530820CF-B880-4189-942D-D702A7CBA730}" type="datetimeFigureOut">
               <a:rPr lang="zh-CN" altLang="en-US" smtClean="0"/>
-              <a:t>2016/12/21</a:t>
+              <a:t>2016/12/22</a:t>
             </a:fld>
             <a:endParaRPr lang="zh-CN" altLang="en-US"/>
           </a:p>
@@ -4092,13 +4092,20 @@
           <a:bodyPr/>
           <a:lstStyle/>
           <a:p>
+            <a:pPr marL="0" indent="0">
+              <a:buNone/>
+            </a:pPr>
+            <a:r>
+              <a:rPr lang="zh-CN" altLang="en-US" dirty="0" smtClean="0"/>
+              <a:t>计</a:t>
+            </a:r>
             <a:r>
               <a:rPr lang="zh-CN" altLang="zh-CN" dirty="0" smtClean="0"/>
-              <a:t>算</a:t>
+              <a:t>算机</a:t>
             </a:r>
             <a:r>
               <a:rPr lang="zh-CN" altLang="zh-CN" dirty="0"/>
-              <a:t>机的硬件主要</a:t>
+              <a:t>的硬件主要</a:t>
             </a:r>
             <a:r>
               <a:rPr lang="zh-CN" altLang="zh-CN" dirty="0" smtClean="0"/>
@@ -4164,11 +4171,11 @@
             </a:r>
             <a:r>
               <a:rPr lang="zh-CN" altLang="zh-CN" dirty="0"/>
-              <a:t>计算机的各个部件按照指令的功能</a:t>
+              <a:t>计算机的各个部件按照指令</a:t>
             </a:r>
             <a:r>
               <a:rPr lang="zh-CN" altLang="zh-CN" dirty="0" smtClean="0"/>
-              <a:t>要</a:t>
+              <a:t>的要</a:t>
             </a:r>
             <a:r>
               <a:rPr lang="en-US" altLang="zh-CN" dirty="0" smtClean="0"/>
@@ -4203,7 +4210,15 @@
             </a:r>
             <a:r>
               <a:rPr lang="zh-CN" altLang="zh-CN" dirty="0"/>
-              <a:t>主要功能是存储程序和各种数据</a:t>
+              <a:t>主要功能是存储程序和各种</a:t>
+            </a:r>
+            <a:r>
+              <a:rPr lang="zh-CN" altLang="zh-CN" dirty="0" smtClean="0"/>
+              <a:t>数据</a:t>
+            </a:r>
+            <a:r>
+              <a:rPr lang="en-US" altLang="zh-CN" dirty="0" smtClean="0"/>
+              <a:t>	</a:t>
             </a:r>
             <a:endParaRPr lang="en-US" altLang="zh-CN" dirty="0" smtClean="0"/>
           </a:p>
@@ -4320,6 +4335,16 @@
           <a:bodyPr/>
           <a:lstStyle/>
           <a:p>
+            <a:pPr marL="0" indent="0">
+              <a:buNone/>
+            </a:pPr>
+            <a:r>
+              <a:rPr lang="zh-CN" altLang="zh-CN" dirty="0"/>
+              <a:t>计算机软件是指计算机系统中的程序及其文档。软件是用户与硬件之间的接口界面。</a:t>
+            </a:r>
+            <a:endParaRPr lang="en-US" altLang="zh-CN" dirty="0"/>
+          </a:p>
+          <a:p>
             <a:r>
               <a:rPr lang="en-US" altLang="zh-CN" dirty="0" smtClean="0"/>
               <a:t>1</a:t>
@@ -4336,6 +4361,10 @@
               <a:rPr lang="zh-CN" altLang="zh-CN" dirty="0" smtClean="0"/>
               <a:t>计算机程序</a:t>
             </a:r>
+            <a:r>
+              <a:rPr lang="zh-CN" altLang="en-US" dirty="0" smtClean="0"/>
+              <a:t>。操作系统的主要功能是资源管理和程序控制。</a:t>
+            </a:r>
             <a:endParaRPr lang="en-US" altLang="zh-CN" dirty="0" smtClean="0"/>
           </a:p>
           <a:p>
@@ -4352,8 +4381,20 @@
               <a:t>：</a:t>
             </a:r>
             <a:r>
+              <a:rPr lang="zh-CN" altLang="zh-CN" dirty="0" smtClean="0"/>
+              <a:t>应用软件</a:t>
+            </a:r>
+            <a:r>
               <a:rPr lang="zh-CN" altLang="zh-CN" dirty="0"/>
-              <a:t>应用软件是用各种程序设计语言编制的应用程序的集合</a:t>
+              <a:t>是用各种程序设计语言编制的应用程序的</a:t>
+            </a:r>
+            <a:r>
+              <a:rPr lang="zh-CN" altLang="zh-CN" dirty="0" smtClean="0"/>
+              <a:t>集合</a:t>
+            </a:r>
+            <a:r>
+              <a:rPr lang="zh-CN" altLang="en-US" dirty="0" smtClean="0"/>
+              <a:t>。</a:t>
             </a:r>
             <a:endParaRPr lang="zh-CN" altLang="en-US" dirty="0"/>
           </a:p>
@@ -4436,17 +4477,23 @@
           <a:bodyPr/>
           <a:lstStyle/>
           <a:p>
+            <a:pPr marL="0" indent="0">
+              <a:buNone/>
+            </a:pPr>
+            <a:r>
+              <a:rPr lang="zh-CN" altLang="zh-CN" dirty="0"/>
+              <a:t>指针是编程语言中的一个对象，通过地址，它的值直接指向存在电脑存储器中另一个地方的值。</a:t>
+            </a:r>
+            <a:endParaRPr lang="en-US" altLang="zh-CN" dirty="0" smtClean="0"/>
+          </a:p>
+          <a:p>
             <a:r>
               <a:rPr lang="en-US" altLang="zh-CN" dirty="0" smtClean="0"/>
               <a:t>1</a:t>
             </a:r>
             <a:r>
               <a:rPr lang="zh-CN" altLang="en-US" dirty="0" smtClean="0"/>
-              <a:t>、对指针的理解：通过指针可以更灵活更方便的访问地址从而访问地址中的</a:t>
-            </a:r>
-            <a:r>
-              <a:rPr lang="zh-CN" altLang="en-US" dirty="0" smtClean="0"/>
-              <a:t>内容</a:t>
+              <a:t>、对指针的理解：通过指针可以更灵活更方便的访问地址从而访问地址中的内容</a:t>
             </a:r>
             <a:endParaRPr lang="en-US" altLang="zh-CN" dirty="0" smtClean="0"/>
           </a:p>
@@ -4550,6 +4597,24 @@
         <p:txBody>
           <a:bodyPr/>
           <a:lstStyle/>
+          <a:p>
+            <a:pPr marL="0" indent="0">
+              <a:buNone/>
+            </a:pPr>
+            <a:r>
+              <a:rPr lang="en-US" altLang="zh-CN" dirty="0" err="1"/>
+              <a:t>Arduino</a:t>
+            </a:r>
+            <a:r>
+              <a:rPr lang="zh-CN" altLang="zh-CN" dirty="0"/>
+              <a:t>是一款便捷灵活、方便上手的开源电子原型平台</a:t>
+            </a:r>
+            <a:r>
+              <a:rPr lang="zh-CN" altLang="zh-CN" dirty="0" smtClean="0"/>
+              <a:t>。</a:t>
+            </a:r>
+            <a:endParaRPr lang="en-US" altLang="zh-CN" dirty="0" smtClean="0"/>
+          </a:p>
           <a:p>
             <a:r>
               <a:rPr lang="en-US" altLang="zh-CN" dirty="0" smtClean="0"/>
